--- a/events/25/Как я начал любить Vue.pptx
+++ b/events/25/Как я начал любить Vue.pptx
@@ -1179,7 +1179,7 @@
           <a:graphicData uri="http://schemas.openxmlformats.org/presentationml/2006/ole">
             <mc:AlternateContent xmlns:mc="http://schemas.openxmlformats.org/markup-compatibility/2006">
               <mc:Choice xmlns:v="urn:schemas-microsoft-com:vml" Requires="v">
-                <p:oleObj spid="_x0000_s2300" name="think-cell Folie" r:id="rId5" imgW="360" imgH="360" progId="TCLayout.ActiveDocument.1">
+                <p:oleObj spid="_x0000_s2301" name="think-cell Folie" r:id="rId5" imgW="360" imgH="360" progId="TCLayout.ActiveDocument.1">
                   <p:embed/>
                 </p:oleObj>
               </mc:Choice>
@@ -8026,7 +8026,6 @@
               <a:rPr lang="en-US" dirty="0" smtClean="0"/>
               <a:t> </a:t>
             </a:r>
-            <a:endParaRPr lang="en-US" dirty="0" smtClean="0"/>
           </a:p>
           <a:p>
             <a:r>
@@ -8041,7 +8040,6 @@
               <a:rPr lang="en-US" dirty="0" smtClean="0"/>
               <a:t> </a:t>
             </a:r>
-            <a:endParaRPr lang="en-US" dirty="0" smtClean="0"/>
           </a:p>
           <a:p>
             <a:r>
@@ -8074,11 +8072,7 @@
             </a:r>
             <a:r>
               <a:rPr lang="en-US" dirty="0" smtClean="0"/>
-              <a:t>   </a:t>
-            </a:r>
-            <a:r>
-              <a:rPr lang="en-US" dirty="0" smtClean="0"/>
-              <a:t>…</a:t>
+              <a:t>   …</a:t>
             </a:r>
             <a:endParaRPr lang="ru-RU" dirty="0" smtClean="0"/>
           </a:p>
@@ -8230,11 +8224,7 @@
             </a:r>
             <a:r>
               <a:rPr lang="ru-RU" dirty="0" smtClean="0"/>
-              <a:t>через </a:t>
-            </a:r>
-            <a:r>
-              <a:rPr lang="ru-RU" dirty="0" smtClean="0"/>
-              <a:t>строки</a:t>
+              <a:t>через строки</a:t>
             </a:r>
           </a:p>
           <a:p>
@@ -8245,7 +8235,6 @@
               <a:rPr lang="ru-RU" dirty="0" smtClean="0"/>
               <a:t>    ...</a:t>
             </a:r>
-            <a:endParaRPr lang="ru-RU" dirty="0" smtClean="0"/>
           </a:p>
           <a:p>
             <a:pPr marL="0" indent="0">
@@ -8272,11 +8261,7 @@
             <a:pPr lvl="1"/>
             <a:r>
               <a:rPr lang="ru-RU" dirty="0" smtClean="0"/>
-              <a:t>Нет абстрактных роутов, </a:t>
-            </a:r>
-            <a:r>
-              <a:rPr lang="ru-RU" dirty="0" smtClean="0"/>
-              <a:t>плохо ли?</a:t>
+              <a:t>Нет абстрактных роутов, плохо ли?</a:t>
             </a:r>
             <a:endParaRPr lang="en-US" dirty="0" smtClean="0"/>
           </a:p>
@@ -8773,15 +8758,7 @@
             </a:r>
             <a:r>
               <a:rPr lang="ru-RU" dirty="0" smtClean="0"/>
-              <a:t>компоненты </a:t>
-            </a:r>
-            <a:r>
-              <a:rPr lang="ru-RU" dirty="0" smtClean="0"/>
-              <a:t>– </a:t>
-            </a:r>
-            <a:r>
-              <a:rPr lang="ru-RU" dirty="0" smtClean="0"/>
-              <a:t>классы</a:t>
+              <a:t>компоненты – классы</a:t>
             </a:r>
           </a:p>
           <a:p>
@@ -8815,19 +8792,7 @@
             </a:pPr>
             <a:r>
               <a:rPr lang="ru-RU" dirty="0" smtClean="0"/>
-              <a:t>абстрактны</a:t>
-            </a:r>
-            <a:r>
-              <a:rPr lang="ru-RU" dirty="0" smtClean="0"/>
-              <a:t>е</a:t>
-            </a:r>
-            <a:r>
-              <a:rPr lang="ru-RU" dirty="0" smtClean="0"/>
-              <a:t> классы, области видимости </a:t>
-            </a:r>
-            <a:r>
-              <a:rPr lang="ru-RU" dirty="0" smtClean="0"/>
-              <a:t>(</a:t>
+              <a:t>абстрактные классы, области видимости (</a:t>
             </a:r>
             <a:r>
               <a:rPr lang="en-US" dirty="0" smtClean="0"/>
@@ -8868,11 +8833,7 @@
             </a:r>
             <a:r>
               <a:rPr lang="en-US" dirty="0" smtClean="0"/>
-              <a:t> </a:t>
-            </a:r>
-            <a:r>
-              <a:rPr lang="en-US" dirty="0" smtClean="0"/>
-              <a:t>-</a:t>
+              <a:t> -</a:t>
             </a:r>
             <a:r>
               <a:rPr lang="ru-RU" dirty="0" smtClean="0"/>
@@ -8884,11 +8845,7 @@
             </a:r>
             <a:r>
               <a:rPr lang="ru-RU" dirty="0" smtClean="0"/>
-              <a:t> –просто </a:t>
-            </a:r>
-            <a:r>
-              <a:rPr lang="ru-RU" dirty="0" smtClean="0"/>
-              <a:t>работать и расширять</a:t>
+              <a:t> –просто работать и расширять</a:t>
             </a:r>
             <a:r>
               <a:rPr lang="en-US" dirty="0" smtClean="0"/>
@@ -9105,11 +9062,7 @@
           <a:p>
             <a:r>
               <a:rPr lang="ru-RU" dirty="0" smtClean="0"/>
-              <a:t>Мало – материал, </a:t>
-            </a:r>
-            <a:r>
-              <a:rPr lang="ru-RU" dirty="0" smtClean="0"/>
-              <a:t>кларити</a:t>
+              <a:t>Мало – материал, кларити</a:t>
             </a:r>
             <a:endParaRPr lang="ru-RU" dirty="0"/>
           </a:p>
@@ -9377,15 +9330,7 @@
           <a:p>
             <a:r>
               <a:rPr lang="ru-RU" dirty="0" smtClean="0"/>
-              <a:t>Множество способов делать одно </a:t>
-            </a:r>
-            <a:r>
-              <a:rPr lang="ru-RU" dirty="0" smtClean="0"/>
-              <a:t>и то </a:t>
-            </a:r>
-            <a:r>
-              <a:rPr lang="ru-RU" dirty="0" smtClean="0"/>
-              <a:t>же</a:t>
+              <a:t>Множество способов делать одно и то же</a:t>
             </a:r>
             <a:endParaRPr lang="en-US" dirty="0" smtClean="0"/>
           </a:p>
@@ -9569,15 +9514,7 @@
             </a:r>
             <a:r>
               <a:rPr lang="ru-RU" dirty="0" smtClean="0"/>
-              <a:t>крут</a:t>
-            </a:r>
-            <a:r>
-              <a:rPr lang="ru-RU" dirty="0" smtClean="0"/>
-              <a:t>, </a:t>
-            </a:r>
-            <a:r>
-              <a:rPr lang="ru-RU" dirty="0" smtClean="0"/>
-              <a:t>но его надо уметь готовить</a:t>
+              <a:t>крут, но его надо уметь готовить</a:t>
             </a:r>
             <a:endParaRPr lang="en-US" dirty="0" smtClean="0"/>
           </a:p>
@@ -9785,15 +9722,7 @@
             </a:pPr>
             <a:r>
               <a:rPr lang="ru-RU" dirty="0" smtClean="0"/>
-              <a:t>Так и н</a:t>
-            </a:r>
-            <a:r>
-              <a:rPr lang="ru-RU" dirty="0" smtClean="0"/>
-              <a:t>е </a:t>
-            </a:r>
-            <a:r>
-              <a:rPr lang="ru-RU" dirty="0" smtClean="0"/>
-              <a:t>приняли мой </a:t>
+              <a:t>Так и не приняли мой </a:t>
             </a:r>
             <a:r>
               <a:rPr lang="en-US" dirty="0" smtClean="0"/>
@@ -9837,11 +9766,7 @@
             </a:r>
             <a:r>
               <a:rPr lang="ru-RU" dirty="0" smtClean="0"/>
-              <a:t>мы </a:t>
-            </a:r>
-            <a:r>
-              <a:rPr lang="ru-RU" dirty="0" smtClean="0"/>
-              <a:t>используем </a:t>
+              <a:t>мы используем </a:t>
             </a:r>
             <a:r>
               <a:rPr lang="en-US" dirty="0" err="1" smtClean="0"/>
@@ -9851,7 +9776,6 @@
               <a:rPr lang="en-US" dirty="0" smtClean="0"/>
               <a:t>:</a:t>
             </a:r>
-            <a:endParaRPr lang="en-US" dirty="0" smtClean="0"/>
           </a:p>
           <a:p>
             <a:pPr lvl="1"/>
@@ -9887,11 +9811,7 @@
             <a:pPr lvl="1"/>
             <a:r>
               <a:rPr lang="ru-RU" dirty="0" smtClean="0"/>
-              <a:t>Хочется меньше </a:t>
-            </a:r>
-            <a:r>
-              <a:rPr lang="ru-RU" dirty="0" smtClean="0"/>
-              <a:t>уходить от </a:t>
+              <a:t>Хочется меньше уходить от </a:t>
             </a:r>
             <a:r>
               <a:rPr lang="en-US" dirty="0" smtClean="0"/>
@@ -9914,11 +9834,7 @@
             <a:pPr lvl="1"/>
             <a:r>
               <a:rPr lang="ru-RU" dirty="0" smtClean="0"/>
-              <a:t>Хочется чтобы команда понимала как </a:t>
-            </a:r>
-            <a:r>
-              <a:rPr lang="ru-RU" dirty="0" smtClean="0"/>
-              <a:t>работает </a:t>
+              <a:t>Хочется чтобы команда понимала как работает </a:t>
             </a:r>
             <a:r>
               <a:rPr lang="en-US" dirty="0" err="1" smtClean="0"/>
@@ -9950,7 +9866,6 @@
               <a:rPr lang="en-US" i="1" dirty="0" smtClean="0"/>
               <a:t>Angular</a:t>
             </a:r>
-            <a:endParaRPr lang="en-US" i="1" dirty="0" smtClean="0"/>
           </a:p>
         </p:txBody>
       </p:sp>
@@ -10081,11 +9996,7 @@
             </a:r>
             <a:r>
               <a:rPr lang="ru-RU" dirty="0" smtClean="0"/>
-              <a:t> </a:t>
-            </a:r>
-            <a:r>
-              <a:rPr lang="ru-RU" dirty="0" smtClean="0"/>
-              <a:t>для </a:t>
+              <a:t> для </a:t>
             </a:r>
             <a:r>
               <a:rPr lang="en-US" dirty="0" smtClean="0"/>
@@ -10093,17 +10004,8 @@
             </a:r>
             <a:r>
               <a:rPr lang="ru-RU" dirty="0" smtClean="0"/>
-              <a:t>еще не </a:t>
-            </a:r>
-            <a:r>
-              <a:rPr lang="ru-RU" dirty="0" smtClean="0"/>
-              <a:t>супер</a:t>
-            </a:r>
-            <a:r>
-              <a:rPr lang="ru-RU" dirty="0" smtClean="0"/>
-              <a:t>, непонятные ошибки</a:t>
-            </a:r>
-            <a:endParaRPr lang="ru-RU" dirty="0" smtClean="0"/>
+              <a:t>еще не супер, непонятные ошибки</a:t>
+            </a:r>
           </a:p>
           <a:p>
             <a:r>
@@ -10141,19 +10043,13 @@
               <a:rPr lang="en-US" dirty="0" smtClean="0"/>
               <a:t>:</a:t>
             </a:r>
-            <a:endParaRPr lang="en-US" dirty="0" smtClean="0"/>
           </a:p>
           <a:p>
             <a:pPr lvl="1"/>
             <a:r>
               <a:rPr lang="ru-RU" dirty="0" smtClean="0"/>
-              <a:t>Нельзя использовать как </a:t>
-            </a:r>
-            <a:r>
-              <a:rPr lang="ru-RU" dirty="0" smtClean="0"/>
-              <a:t>класс  ,          приватные методы и тд.</a:t>
-            </a:r>
-            <a:endParaRPr lang="ru-RU" dirty="0" smtClean="0"/>
+              <a:t>Нельзя использовать как класс  ,          приватные методы и тд.</a:t>
+            </a:r>
           </a:p>
           <a:p>
             <a:pPr lvl="1"/>
@@ -10229,11 +10125,7 @@
             </a:r>
             <a:r>
               <a:rPr lang="ru-RU" dirty="0" smtClean="0"/>
-              <a:t> </a:t>
-            </a:r>
-            <a:r>
-              <a:rPr lang="ru-RU" dirty="0" smtClean="0"/>
-              <a:t>практически невозможна</a:t>
+              <a:t> практически невозможна</a:t>
             </a:r>
             <a:endParaRPr lang="en-US" dirty="0" smtClean="0"/>
           </a:p>
@@ -12224,16 +12116,11 @@
               <a:rPr lang="ru-RU" dirty="0" smtClean="0"/>
               <a:t> </a:t>
             </a:r>
-            <a:endParaRPr lang="ru-RU" dirty="0" smtClean="0"/>
           </a:p>
           <a:p>
             <a:r>
               <a:rPr lang="ru-RU" dirty="0" smtClean="0"/>
-              <a:t>Ужасный </a:t>
-            </a:r>
-            <a:r>
-              <a:rPr lang="ru-RU" dirty="0" smtClean="0"/>
-              <a:t>роутер</a:t>
+              <a:t>Ужасный роутер</a:t>
             </a:r>
           </a:p>
           <a:p>
@@ -13597,7 +13484,6 @@
               <a:rPr lang="ru-RU" dirty="0" smtClean="0"/>
               <a:t>нет</a:t>
             </a:r>
-            <a:endParaRPr lang="ru-RU" dirty="0" smtClean="0"/>
           </a:p>
           <a:p>
             <a:pPr marL="0" indent="0">
@@ -13609,11 +13495,7 @@
             </a:r>
             <a:r>
               <a:rPr lang="ru-RU" dirty="0" smtClean="0"/>
-              <a:t>хожий </a:t>
-            </a:r>
-            <a:r>
-              <a:rPr lang="ru-RU" dirty="0" smtClean="0"/>
-              <a:t>механизм с </a:t>
+              <a:t>хожий механизм с </a:t>
             </a:r>
             <a:r>
               <a:rPr lang="en-US" dirty="0" smtClean="0"/>
@@ -14985,15 +14867,7 @@
             </a:pPr>
             <a:r>
               <a:rPr lang="ru-RU" dirty="0" smtClean="0"/>
-              <a:t>При </a:t>
-            </a:r>
-            <a:r>
-              <a:rPr lang="ru-RU" dirty="0" smtClean="0"/>
-              <a:t>этом есть такие крутые встроенные штуки </a:t>
-            </a:r>
-            <a:r>
-              <a:rPr lang="ru-RU" dirty="0" smtClean="0"/>
-              <a:t>как</a:t>
+              <a:t>При этом есть такие крутые встроенные штуки как</a:t>
             </a:r>
             <a:r>
               <a:rPr lang="en-US" dirty="0"/>
@@ -15127,15 +15001,7 @@
             </a:pPr>
             <a:r>
               <a:rPr lang="ru-RU" dirty="0" smtClean="0"/>
-              <a:t>Из коробки </a:t>
-            </a:r>
-            <a:r>
-              <a:rPr lang="ru-RU" dirty="0" smtClean="0"/>
-              <a:t>выбор </a:t>
-            </a:r>
-            <a:r>
-              <a:rPr lang="ru-RU" dirty="0" smtClean="0"/>
-              <a:t>между </a:t>
+              <a:t>Из коробки выбор между </a:t>
             </a:r>
             <a:r>
               <a:rPr lang="en-US" dirty="0" err="1" smtClean="0"/>
@@ -15180,13 +15046,8 @@
             </a:r>
             <a:r>
               <a:rPr lang="ru-RU" dirty="0" smtClean="0"/>
-              <a:t>ами </a:t>
-            </a:r>
-            <a:r>
-              <a:rPr lang="ru-RU" dirty="0" smtClean="0"/>
-              <a:t>содердащими хеши</a:t>
-            </a:r>
-            <a:endParaRPr lang="ru-RU" dirty="0" smtClean="0"/>
+              <a:t>ами содердащими хеши</a:t>
+            </a:r>
           </a:p>
           <a:p>
             <a:pPr marL="0" indent="0">
@@ -15941,7 +15802,6 @@
               <a:rPr lang="en-US" b="1" dirty="0" smtClean="0"/>
               <a:t>VS</a:t>
             </a:r>
-            <a:endParaRPr lang="en-US" b="1" dirty="0" smtClean="0"/>
           </a:p>
           <a:p>
             <a:r>
@@ -16534,33 +16394,17 @@
             </a:r>
             <a:r>
               <a:rPr lang="ru-RU" dirty="0" smtClean="0"/>
-              <a:t> удобно </a:t>
-            </a:r>
+              <a:t> удобно для мокирования внешних зависомстей</a:t>
+            </a:r>
+            <a:endParaRPr lang="en-US" dirty="0" smtClean="0"/>
+          </a:p>
+          <a:p>
+            <a:endParaRPr lang="ru-RU" dirty="0" smtClean="0"/>
+          </a:p>
+          <a:p>
             <a:r>
               <a:rPr lang="ru-RU" dirty="0" smtClean="0"/>
-              <a:t>для мокирования </a:t>
-            </a:r>
-            <a:r>
-              <a:rPr lang="ru-RU" dirty="0" smtClean="0"/>
-              <a:t>внешних зависомстей</a:t>
-            </a:r>
-            <a:endParaRPr lang="en-US" dirty="0" smtClean="0"/>
-          </a:p>
-          <a:p>
-            <a:endParaRPr lang="ru-RU" dirty="0" smtClean="0"/>
-          </a:p>
-          <a:p>
-            <a:r>
-              <a:rPr lang="ru-RU" dirty="0" smtClean="0"/>
-              <a:t>В</a:t>
-            </a:r>
-            <a:r>
-              <a:rPr lang="ru-RU" dirty="0" smtClean="0"/>
-              <a:t>о</a:t>
-            </a:r>
-            <a:r>
-              <a:rPr lang="ru-RU" dirty="0" smtClean="0"/>
-              <a:t> </a:t>
+              <a:t>Во </a:t>
             </a:r>
             <a:r>
               <a:rPr lang="en-US" dirty="0" err="1" smtClean="0"/>
@@ -16703,15 +16547,7 @@
             </a:r>
             <a:r>
               <a:rPr lang="ru-RU" dirty="0" smtClean="0"/>
-              <a:t> </a:t>
-            </a:r>
-            <a:r>
-              <a:rPr lang="ru-RU" dirty="0" smtClean="0"/>
-              <a:t>просто </a:t>
-            </a:r>
-            <a:r>
-              <a:rPr lang="ru-RU" dirty="0" smtClean="0"/>
-              <a:t>работает</a:t>
+              <a:t> просто работает</a:t>
             </a:r>
             <a:r>
               <a:rPr lang="en-US" dirty="0" smtClean="0"/>
@@ -16788,15 +16624,7 @@
             </a:r>
             <a:r>
               <a:rPr lang="ru-RU" dirty="0" smtClean="0"/>
-              <a:t>д</a:t>
-            </a:r>
-            <a:r>
-              <a:rPr lang="ru-RU" dirty="0" smtClean="0"/>
-              <a:t>изайнерам </a:t>
-            </a:r>
-            <a:r>
-              <a:rPr lang="ru-RU" dirty="0" smtClean="0"/>
-              <a:t>плохо</a:t>
+              <a:t>дизайнерам плохо</a:t>
             </a:r>
           </a:p>
           <a:p>
@@ -16815,11 +16643,7 @@
             </a:r>
             <a:r>
               <a:rPr lang="ru-RU" dirty="0" smtClean="0"/>
-              <a:t>шаблон </a:t>
-            </a:r>
-            <a:r>
-              <a:rPr lang="ru-RU" dirty="0" smtClean="0"/>
-              <a:t>в </a:t>
+              <a:t>шаблон в </a:t>
             </a:r>
             <a:r>
               <a:rPr lang="en-US" dirty="0" smtClean="0"/>
@@ -16835,13 +16659,8 @@
             </a:r>
             <a:r>
               <a:rPr lang="ru-RU" dirty="0" smtClean="0"/>
-              <a:t>выносишь </a:t>
-            </a:r>
-            <a:r>
-              <a:rPr lang="ru-RU" dirty="0" smtClean="0"/>
-              <a:t>по необходимости</a:t>
-            </a:r>
-            <a:endParaRPr lang="ru-RU" dirty="0" smtClean="0"/>
+              <a:t>выносишь по необходимости</a:t>
+            </a:r>
           </a:p>
           <a:p>
             <a:pPr lvl="1"/>
@@ -16880,11 +16699,7 @@
           <a:p>
             <a:r>
               <a:rPr lang="ru-RU" dirty="0" smtClean="0"/>
-              <a:t>Формы </a:t>
-            </a:r>
-            <a:r>
-              <a:rPr lang="ru-RU" dirty="0" smtClean="0"/>
-              <a:t>адовые – смотри далее</a:t>
+              <a:t>Формы адовые – смотри далее</a:t>
             </a:r>
           </a:p>
           <a:p>
@@ -17272,17 +17087,12 @@
             </a:r>
             <a:r>
               <a:rPr lang="ru-RU" dirty="0" smtClean="0"/>
-              <a:t>крутое, </a:t>
-            </a:r>
-            <a:r>
-              <a:rPr lang="ru-RU" dirty="0" smtClean="0"/>
-              <a:t>но</a:t>
+              <a:t>крутое, но</a:t>
             </a:r>
             <a:r>
               <a:rPr lang="en-US" dirty="0" smtClean="0"/>
               <a:t>:</a:t>
             </a:r>
-            <a:endParaRPr lang="en-US" dirty="0" smtClean="0"/>
           </a:p>
           <a:p>
             <a:pPr lvl="1"/>
@@ -17295,22 +17105,14 @@
             <a:pPr lvl="1"/>
             <a:r>
               <a:rPr lang="ru-RU" dirty="0" smtClean="0"/>
-              <a:t>Множество пакетов </a:t>
-            </a:r>
+              <a:t>Множество пакетов и неконсистентно работает с версиями</a:t>
+            </a:r>
+          </a:p>
+          <a:p>
+            <a:pPr lvl="1"/>
             <a:r>
               <a:rPr lang="ru-RU" dirty="0" smtClean="0"/>
-              <a:t>и неконсистентно работает с версиями</a:t>
-            </a:r>
-          </a:p>
-          <a:p>
-            <a:pPr lvl="1"/>
-            <a:r>
-              <a:rPr lang="ru-RU" dirty="0" smtClean="0"/>
-              <a:t>Боль при </a:t>
-            </a:r>
-            <a:r>
-              <a:rPr lang="ru-RU" dirty="0" smtClean="0"/>
-              <a:t>апгрейде</a:t>
+              <a:t>Боль при апгрейде</a:t>
             </a:r>
             <a:endParaRPr lang="en-US" dirty="0" smtClean="0"/>
           </a:p>
@@ -17332,11 +17134,7 @@
             </a:r>
             <a:r>
               <a:rPr lang="ru-RU" dirty="0" smtClean="0"/>
-              <a:t>самое </a:t>
-            </a:r>
-            <a:r>
-              <a:rPr lang="ru-RU" dirty="0" smtClean="0"/>
-              <a:t>крутое </a:t>
+              <a:t>самое крутое </a:t>
             </a:r>
             <a:r>
               <a:rPr lang="en-US" dirty="0" smtClean="0"/>
@@ -17505,11 +17303,7 @@
             </a:pPr>
             <a:r>
               <a:rPr lang="en-US" dirty="0" smtClean="0"/>
-              <a:t>Angular - </a:t>
-            </a:r>
-            <a:r>
-              <a:rPr lang="en-US" dirty="0" smtClean="0"/>
-              <a:t>Zone.js </a:t>
+              <a:t>Angular - Zone.js </a:t>
             </a:r>
             <a:endParaRPr lang="ru-RU" dirty="0" smtClean="0"/>
           </a:p>
@@ -17537,13 +17331,8 @@
             <a:pPr lvl="1"/>
             <a:r>
               <a:rPr lang="ru-RU" dirty="0" smtClean="0"/>
-              <a:t>Сложности с нестандартными </a:t>
-            </a:r>
-            <a:r>
-              <a:rPr lang="ru-RU" dirty="0" smtClean="0"/>
-              <a:t>АПИ</a:t>
-            </a:r>
-            <a:endParaRPr lang="ru-RU" dirty="0" smtClean="0"/>
+              <a:t>Сложности с нестандартными АПИ</a:t>
+            </a:r>
           </a:p>
           <a:p>
             <a:pPr lvl="1"/>
@@ -17594,15 +17383,7 @@
             </a:r>
             <a:r>
               <a:rPr lang="ru-RU" dirty="0" smtClean="0"/>
-              <a:t>отслеживание </a:t>
-            </a:r>
-            <a:r>
-              <a:rPr lang="ru-RU" dirty="0" smtClean="0"/>
-              <a:t>работатет </a:t>
-            </a:r>
-            <a:r>
-              <a:rPr lang="ru-RU" dirty="0" smtClean="0"/>
-              <a:t>благодаря</a:t>
+              <a:t>отслеживание работатет благодаря</a:t>
             </a:r>
             <a:r>
               <a:rPr lang="en-US" dirty="0" smtClean="0"/>
@@ -17629,11 +17410,7 @@
             <a:pPr lvl="1"/>
             <a:r>
               <a:rPr lang="ru-RU" dirty="0" smtClean="0"/>
-              <a:t>Есть подводные камни, но </a:t>
-            </a:r>
-            <a:r>
-              <a:rPr lang="ru-RU" dirty="0" smtClean="0"/>
-              <a:t>они</a:t>
+              <a:t>Есть подводные камни, но они</a:t>
             </a:r>
             <a:endParaRPr lang="en-US" dirty="0" smtClean="0"/>
           </a:p>
@@ -17801,7 +17578,6 @@
               <a:rPr lang="ru-RU" dirty="0" smtClean="0"/>
               <a:t>?</a:t>
             </a:r>
-            <a:endParaRPr lang="ru-RU" dirty="0" smtClean="0"/>
           </a:p>
           <a:p>
             <a:pPr marL="0" indent="0">
